--- a/postman/postman.pptx
+++ b/postman/postman.pptx
@@ -11,7 +11,9 @@
     <p:sldId id="260" r:id="rId5"/>
     <p:sldId id="261" r:id="rId6"/>
     <p:sldId id="262" r:id="rId7"/>
-    <p:sldId id="257" r:id="rId8"/>
+    <p:sldId id="263" r:id="rId8"/>
+    <p:sldId id="264" r:id="rId9"/>
+    <p:sldId id="257" r:id="rId10"/>
   </p:sldIdLst>
   <p:sldSz cx="12192000" cy="6858000"/>
   <p:notesSz cx="6858000" cy="9144000"/>
@@ -110,6 +112,11 @@
       </a:defRPr>
     </a:lvl9pPr>
   </p:defaultTextStyle>
+  <p:extLst>
+    <p:ext uri="{EFAFB233-063F-42B5-8137-9DF3F51BA10A}">
+      <p15:sldGuideLst xmlns:p15="http://schemas.microsoft.com/office/powerpoint/2012/main"/>
+    </p:ext>
+  </p:extLst>
 </p:presentation>
 </file>
 
@@ -260,7 +267,7 @@
           <a:p>
             <a:fld id="{C91979A8-12F0-42E2-AF0D-FF4B7F46FB1D}" type="datetimeFigureOut">
               <a:rPr lang="zh-TW" altLang="en-US" smtClean="0"/>
-              <a:t>2025/4/24</a:t>
+              <a:t>2025/5/1</a:t>
             </a:fld>
             <a:endParaRPr lang="zh-TW" altLang="en-US"/>
           </a:p>
@@ -458,7 +465,7 @@
           <a:p>
             <a:fld id="{C91979A8-12F0-42E2-AF0D-FF4B7F46FB1D}" type="datetimeFigureOut">
               <a:rPr lang="zh-TW" altLang="en-US" smtClean="0"/>
-              <a:t>2025/4/24</a:t>
+              <a:t>2025/5/1</a:t>
             </a:fld>
             <a:endParaRPr lang="zh-TW" altLang="en-US"/>
           </a:p>
@@ -666,7 +673,7 @@
           <a:p>
             <a:fld id="{C91979A8-12F0-42E2-AF0D-FF4B7F46FB1D}" type="datetimeFigureOut">
               <a:rPr lang="zh-TW" altLang="en-US" smtClean="0"/>
-              <a:t>2025/4/24</a:t>
+              <a:t>2025/5/1</a:t>
             </a:fld>
             <a:endParaRPr lang="zh-TW" altLang="en-US"/>
           </a:p>
@@ -864,7 +871,7 @@
           <a:p>
             <a:fld id="{C91979A8-12F0-42E2-AF0D-FF4B7F46FB1D}" type="datetimeFigureOut">
               <a:rPr lang="zh-TW" altLang="en-US" smtClean="0"/>
-              <a:t>2025/4/24</a:t>
+              <a:t>2025/5/1</a:t>
             </a:fld>
             <a:endParaRPr lang="zh-TW" altLang="en-US"/>
           </a:p>
@@ -1139,7 +1146,7 @@
           <a:p>
             <a:fld id="{C91979A8-12F0-42E2-AF0D-FF4B7F46FB1D}" type="datetimeFigureOut">
               <a:rPr lang="zh-TW" altLang="en-US" smtClean="0"/>
-              <a:t>2025/4/24</a:t>
+              <a:t>2025/5/1</a:t>
             </a:fld>
             <a:endParaRPr lang="zh-TW" altLang="en-US"/>
           </a:p>
@@ -1404,7 +1411,7 @@
           <a:p>
             <a:fld id="{C91979A8-12F0-42E2-AF0D-FF4B7F46FB1D}" type="datetimeFigureOut">
               <a:rPr lang="zh-TW" altLang="en-US" smtClean="0"/>
-              <a:t>2025/4/24</a:t>
+              <a:t>2025/5/1</a:t>
             </a:fld>
             <a:endParaRPr lang="zh-TW" altLang="en-US"/>
           </a:p>
@@ -1816,7 +1823,7 @@
           <a:p>
             <a:fld id="{C91979A8-12F0-42E2-AF0D-FF4B7F46FB1D}" type="datetimeFigureOut">
               <a:rPr lang="zh-TW" altLang="en-US" smtClean="0"/>
-              <a:t>2025/4/24</a:t>
+              <a:t>2025/5/1</a:t>
             </a:fld>
             <a:endParaRPr lang="zh-TW" altLang="en-US"/>
           </a:p>
@@ -1957,7 +1964,7 @@
           <a:p>
             <a:fld id="{C91979A8-12F0-42E2-AF0D-FF4B7F46FB1D}" type="datetimeFigureOut">
               <a:rPr lang="zh-TW" altLang="en-US" smtClean="0"/>
-              <a:t>2025/4/24</a:t>
+              <a:t>2025/5/1</a:t>
             </a:fld>
             <a:endParaRPr lang="zh-TW" altLang="en-US"/>
           </a:p>
@@ -2070,7 +2077,7 @@
           <a:p>
             <a:fld id="{C91979A8-12F0-42E2-AF0D-FF4B7F46FB1D}" type="datetimeFigureOut">
               <a:rPr lang="zh-TW" altLang="en-US" smtClean="0"/>
-              <a:t>2025/4/24</a:t>
+              <a:t>2025/5/1</a:t>
             </a:fld>
             <a:endParaRPr lang="zh-TW" altLang="en-US"/>
           </a:p>
@@ -2381,7 +2388,7 @@
           <a:p>
             <a:fld id="{C91979A8-12F0-42E2-AF0D-FF4B7F46FB1D}" type="datetimeFigureOut">
               <a:rPr lang="zh-TW" altLang="en-US" smtClean="0"/>
-              <a:t>2025/4/24</a:t>
+              <a:t>2025/5/1</a:t>
             </a:fld>
             <a:endParaRPr lang="zh-TW" altLang="en-US"/>
           </a:p>
@@ -2669,7 +2676,7 @@
           <a:p>
             <a:fld id="{C91979A8-12F0-42E2-AF0D-FF4B7F46FB1D}" type="datetimeFigureOut">
               <a:rPr lang="zh-TW" altLang="en-US" smtClean="0"/>
-              <a:t>2025/4/24</a:t>
+              <a:t>2025/5/1</a:t>
             </a:fld>
             <a:endParaRPr lang="zh-TW" altLang="en-US"/>
           </a:p>
@@ -2910,7 +2917,7 @@
           <a:p>
             <a:fld id="{C91979A8-12F0-42E2-AF0D-FF4B7F46FB1D}" type="datetimeFigureOut">
               <a:rPr lang="zh-TW" altLang="en-US" smtClean="0"/>
-              <a:t>2025/4/24</a:t>
+              <a:t>2025/5/1</a:t>
             </a:fld>
             <a:endParaRPr lang="zh-TW" altLang="en-US"/>
           </a:p>
@@ -4056,6 +4063,282 @@
       </p:grpSpPr>
       <p:pic>
         <p:nvPicPr>
+          <p:cNvPr id="4" name="圖片 3">
+            <a:extLst>
+              <a:ext uri="{FF2B5EF4-FFF2-40B4-BE49-F238E27FC236}">
+                <a16:creationId xmlns:a16="http://schemas.microsoft.com/office/drawing/2014/main" id="{AB993638-95AE-4C81-AE98-A9F5D05B71B1}"/>
+              </a:ext>
+            </a:extLst>
+          </p:cNvPr>
+          <p:cNvPicPr>
+            <a:picLocks noChangeAspect="1"/>
+          </p:cNvPicPr>
+          <p:nvPr/>
+        </p:nvPicPr>
+        <p:blipFill>
+          <a:blip r:embed="rId2">
+            <a:extLst>
+              <a:ext uri="{BEBA8EAE-BF5A-486C-A8C5-ECC9F3942E4B}">
+                <a14:imgProps xmlns:a14="http://schemas.microsoft.com/office/drawing/2010/main">
+                  <a14:imgLayer r:embed="rId3">
+                    <a14:imgEffect>
+                      <a14:backgroundRemoval t="10000" b="99821" l="9756" r="89634">
+                        <a14:foregroundMark x1="43699" y1="91607" x2="42276" y2="95536"/>
+                        <a14:foregroundMark x1="57787" y1="98438" x2="58740" y2="99821"/>
+                        <a14:foregroundMark x1="43089" y1="67679" x2="43089" y2="92143"/>
+                        <a14:foregroundMark x1="43089" y1="92143" x2="39228" y2="98571"/>
+                        <a14:foregroundMark x1="47786" y1="80009" x2="47561" y2="84286"/>
+                        <a14:foregroundMark x1="48171" y1="72679" x2="48085" y2="74319"/>
+                        <a14:foregroundMark x1="47561" y1="84286" x2="47491" y2="81405"/>
+                        <a14:foregroundMark x1="47764" y1="76607" x2="49797" y2="77500"/>
+                        <a14:backgroundMark x1="34959" y1="8929" x2="43293" y2="28393"/>
+                        <a14:backgroundMark x1="43293" y1="28393" x2="51423" y2="13393"/>
+                        <a14:backgroundMark x1="51423" y1="13393" x2="47967" y2="24464"/>
+                        <a14:backgroundMark x1="47967" y1="24464" x2="49187" y2="51071"/>
+                        <a14:backgroundMark x1="49187" y1="51071" x2="86179" y2="47500"/>
+                        <a14:backgroundMark x1="86179" y1="47500" x2="20732" y2="47500"/>
+                        <a14:backgroundMark x1="20732" y1="47500" x2="46748" y2="45179"/>
+                        <a14:backgroundMark x1="46748" y1="45179" x2="49593" y2="31786"/>
+                        <a14:backgroundMark x1="49593" y1="31786" x2="36585" y2="33750"/>
+                        <a14:backgroundMark x1="36585" y1="33750" x2="49797" y2="31429"/>
+                        <a14:backgroundMark x1="49797" y1="31429" x2="34756" y2="21607"/>
+                        <a14:backgroundMark x1="34756" y1="21607" x2="37398" y2="32857"/>
+                        <a14:backgroundMark x1="37398" y1="32857" x2="30691" y2="13571"/>
+                        <a14:backgroundMark x1="30691" y1="13571" x2="53659" y2="23929"/>
+                        <a14:backgroundMark x1="53659" y1="23929" x2="48780" y2="50714"/>
+                        <a14:backgroundMark x1="48780" y1="50714" x2="58537" y2="57143"/>
+                        <a14:backgroundMark x1="58537" y1="57143" x2="53252" y2="53393"/>
+                        <a14:backgroundMark x1="51829" y1="55536" x2="42480" y2="57500"/>
+                        <a14:backgroundMark x1="15244" y1="47143" x2="26220" y2="47857"/>
+                        <a14:backgroundMark x1="14228" y1="47500" x2="15041" y2="47500"/>
+                        <a14:backgroundMark x1="44919" y1="53036" x2="39228" y2="53036"/>
+                        <a14:backgroundMark x1="41260" y1="60179" x2="48577" y2="61250"/>
+                        <a14:backgroundMark x1="59146" y1="62321" x2="57114" y2="62857"/>
+                        <a14:backgroundMark x1="40854" y1="62679" x2="38821" y2="60536"/>
+                        <a14:backgroundMark x1="39024" y1="65179" x2="39228" y2="62679"/>
+                        <a14:backgroundMark x1="57520" y1="62500" x2="58740" y2="63929"/>
+                        <a14:backgroundMark x1="53252" y1="66964" x2="58130" y2="94643"/>
+                        <a14:backgroundMark x1="58130" y1="94643" x2="60163" y2="97143"/>
+                        <a14:backgroundMark x1="52342" y1="81854" x2="52236" y2="88750"/>
+                        <a14:backgroundMark x1="52439" y1="75536" x2="52433" y2="75958"/>
+                        <a14:backgroundMark x1="52236" y1="88750" x2="56707" y2="98929"/>
+                        <a14:backgroundMark x1="56707" y1="98929" x2="57317" y2="98036"/>
+                        <a14:backgroundMark x1="50663" y1="84412" x2="50813" y2="85893"/>
+                        <a14:backgroundMark x1="50813" y1="85893" x2="51626" y2="86250"/>
+                        <a14:backgroundMark x1="53455" y1="36786" x2="68496" y2="25893"/>
+                        <a14:backgroundMark x1="68496" y1="25893" x2="56301" y2="27679"/>
+                        <a14:backgroundMark x1="56301" y1="27679" x2="58130" y2="16964"/>
+                        <a14:backgroundMark x1="58130" y1="16964" x2="49390" y2="12500"/>
+                        <a14:backgroundMark x1="49390" y1="12500" x2="59756" y2="16071"/>
+                        <a14:backgroundMark x1="59756" y1="16071" x2="58740" y2="16786"/>
+                        <a14:backgroundMark x1="38008" y1="65893" x2="39024" y2="66964"/>
+                        <a14:backgroundMark x1="49390" y1="86250" x2="49767" y2="84375"/>
+                        <a14:backgroundMark x1="50510" y1="76806" x2="50203" y2="80179"/>
+                        <a14:backgroundMark x1="49996" y1="77306" x2="51220" y2="82143"/>
+                        <a14:backgroundMark x1="49187" y1="74107" x2="49414" y2="75002"/>
+                      </a14:backgroundRemoval>
+                    </a14:imgEffect>
+                  </a14:imgLayer>
+                </a14:imgProps>
+              </a:ext>
+              <a:ext uri="{28A0092B-C50C-407E-A947-70E740481C1C}">
+                <a14:useLocalDpi xmlns:a14="http://schemas.microsoft.com/office/drawing/2010/main" val="0"/>
+              </a:ext>
+            </a:extLst>
+          </a:blip>
+          <a:stretch>
+            <a:fillRect/>
+          </a:stretch>
+        </p:blipFill>
+        <p:spPr>
+          <a:xfrm>
+            <a:off x="3752523" y="761628"/>
+            <a:ext cx="4686954" cy="5334744"/>
+          </a:xfrm>
+          <a:prstGeom prst="rect">
+            <a:avLst/>
+          </a:prstGeom>
+        </p:spPr>
+      </p:pic>
+    </p:spTree>
+    <p:extLst>
+      <p:ext uri="{BB962C8B-B14F-4D97-AF65-F5344CB8AC3E}">
+        <p14:creationId xmlns:p14="http://schemas.microsoft.com/office/powerpoint/2010/main" val="1905391902"/>
+      </p:ext>
+    </p:extLst>
+  </p:cSld>
+  <p:clrMapOvr>
+    <a:masterClrMapping/>
+  </p:clrMapOvr>
+</p:sld>
+</file>
+
+<file path=ppt/slides/slide8.xml><?xml version="1.0" encoding="utf-8"?>
+<p:sld xmlns:a="http://schemas.openxmlformats.org/drawingml/2006/main" xmlns:r="http://schemas.openxmlformats.org/officeDocument/2006/relationships" xmlns:p="http://schemas.openxmlformats.org/presentationml/2006/main">
+  <p:cSld>
+    <p:spTree>
+      <p:nvGrpSpPr>
+        <p:cNvPr id="1" name=""/>
+        <p:cNvGrpSpPr/>
+        <p:nvPr/>
+      </p:nvGrpSpPr>
+      <p:grpSpPr>
+        <a:xfrm>
+          <a:off x="0" y="0"/>
+          <a:ext cx="0" cy="0"/>
+          <a:chOff x="0" y="0"/>
+          <a:chExt cx="0" cy="0"/>
+        </a:xfrm>
+      </p:grpSpPr>
+      <p:pic>
+        <p:nvPicPr>
+          <p:cNvPr id="4" name="圖片 3">
+            <a:extLst>
+              <a:ext uri="{FF2B5EF4-FFF2-40B4-BE49-F238E27FC236}">
+                <a16:creationId xmlns:a16="http://schemas.microsoft.com/office/drawing/2014/main" id="{AB993638-95AE-4C81-AE98-A9F5D05B71B1}"/>
+              </a:ext>
+            </a:extLst>
+          </p:cNvPr>
+          <p:cNvPicPr>
+            <a:picLocks noChangeAspect="1"/>
+          </p:cNvPicPr>
+          <p:nvPr/>
+        </p:nvPicPr>
+        <p:blipFill>
+          <a:blip r:embed="rId2">
+            <a:extLst>
+              <a:ext uri="{BEBA8EAE-BF5A-486C-A8C5-ECC9F3942E4B}">
+                <a14:imgProps xmlns:a14="http://schemas.microsoft.com/office/drawing/2010/main">
+                  <a14:imgLayer r:embed="rId3">
+                    <a14:imgEffect>
+                      <a14:backgroundRemoval t="10000" b="99821" l="9756" r="89634">
+                        <a14:foregroundMark x1="57787" y1="98438" x2="58740" y2="99821"/>
+                        <a14:foregroundMark x1="51651" y1="77105" x2="52846" y2="94821"/>
+                        <a14:foregroundMark x1="51424" y1="73737" x2="51636" y2="76879"/>
+                        <a14:foregroundMark x1="52846" y1="94821" x2="54675" y2="77679"/>
+                        <a14:foregroundMark x1="54675" y1="77679" x2="52846" y2="69464"/>
+                        <a14:foregroundMark x1="55488" y1="83750" x2="59756" y2="93214"/>
+                        <a14:foregroundMark x1="59756" y1="93214" x2="55081" y2="91786"/>
+                        <a14:foregroundMark x1="51626" y1="68214" x2="55691" y2="70179"/>
+                        <a14:foregroundMark x1="54065" y1="96429" x2="59146" y2="95893"/>
+                        <a14:foregroundMark x1="58130" y1="95536" x2="60569" y2="97143"/>
+                        <a14:foregroundMark x1="56911" y1="95357" x2="54268" y2="94464"/>
+                        <a14:foregroundMark x1="55691" y1="85000" x2="54675" y2="77321"/>
+                        <a14:foregroundMark x1="56504" y1="84107" x2="55081" y2="77500"/>
+                        <a14:foregroundMark x1="56707" y1="83214" x2="54268" y2="78929"/>
+                        <a14:foregroundMark x1="56504" y1="81429" x2="56504" y2="81429"/>
+                        <a14:foregroundMark x1="56301" y1="81250" x2="55894" y2="80357"/>
+                        <a14:foregroundMark x1="55285" y1="77500" x2="56504" y2="85357"/>
+                        <a14:foregroundMark x1="55894" y1="81786" x2="55894" y2="84643"/>
+                        <a14:foregroundMark x1="49797" y1="69643" x2="49891" y2="70000"/>
+                        <a14:foregroundMark x1="50000" y1="67321" x2="49797" y2="66429"/>
+                        <a14:foregroundMark x1="50610" y1="85893" x2="49797" y2="85893"/>
+                        <a14:foregroundMark x1="49187" y1="83036" x2="49187" y2="81071"/>
+                        <a14:backgroundMark x1="34959" y1="8929" x2="43293" y2="28393"/>
+                        <a14:backgroundMark x1="43293" y1="28393" x2="51423" y2="13393"/>
+                        <a14:backgroundMark x1="51423" y1="13393" x2="47967" y2="24464"/>
+                        <a14:backgroundMark x1="47967" y1="24464" x2="49187" y2="51071"/>
+                        <a14:backgroundMark x1="49187" y1="51071" x2="86179" y2="47500"/>
+                        <a14:backgroundMark x1="86179" y1="47500" x2="20732" y2="47500"/>
+                        <a14:backgroundMark x1="20732" y1="47500" x2="46748" y2="45179"/>
+                        <a14:backgroundMark x1="46748" y1="45179" x2="49593" y2="31786"/>
+                        <a14:backgroundMark x1="49593" y1="31786" x2="36585" y2="33750"/>
+                        <a14:backgroundMark x1="36585" y1="33750" x2="49797" y2="31429"/>
+                        <a14:backgroundMark x1="49797" y1="31429" x2="34756" y2="21607"/>
+                        <a14:backgroundMark x1="34756" y1="21607" x2="37398" y2="32857"/>
+                        <a14:backgroundMark x1="37398" y1="32857" x2="30691" y2="13571"/>
+                        <a14:backgroundMark x1="30691" y1="13571" x2="53659" y2="23929"/>
+                        <a14:backgroundMark x1="53659" y1="23929" x2="48780" y2="50714"/>
+                        <a14:backgroundMark x1="48780" y1="50714" x2="58537" y2="57143"/>
+                        <a14:backgroundMark x1="58537" y1="57143" x2="53252" y2="53393"/>
+                        <a14:backgroundMark x1="51829" y1="55536" x2="42480" y2="57500"/>
+                        <a14:backgroundMark x1="15244" y1="47143" x2="26220" y2="47857"/>
+                        <a14:backgroundMark x1="14228" y1="47500" x2="15041" y2="47500"/>
+                        <a14:backgroundMark x1="44919" y1="53036" x2="39228" y2="53036"/>
+                        <a14:backgroundMark x1="41260" y1="60179" x2="48577" y2="61250"/>
+                        <a14:backgroundMark x1="59146" y1="62321" x2="57114" y2="62857"/>
+                        <a14:backgroundMark x1="40854" y1="62679" x2="38821" y2="60536"/>
+                        <a14:backgroundMark x1="39024" y1="65179" x2="39228" y2="62679"/>
+                        <a14:backgroundMark x1="57520" y1="62500" x2="58740" y2="63929"/>
+                        <a14:backgroundMark x1="56560" y1="98594" x2="56707" y2="98929"/>
+                        <a14:backgroundMark x1="56707" y1="98929" x2="56965" y2="98551"/>
+                        <a14:backgroundMark x1="53455" y1="36786" x2="68496" y2="25893"/>
+                        <a14:backgroundMark x1="68496" y1="25893" x2="56301" y2="27679"/>
+                        <a14:backgroundMark x1="56301" y1="27679" x2="58130" y2="16964"/>
+                        <a14:backgroundMark x1="58130" y1="16964" x2="49390" y2="12500"/>
+                        <a14:backgroundMark x1="49390" y1="12500" x2="59756" y2="16071"/>
+                        <a14:backgroundMark x1="59756" y1="16071" x2="58740" y2="16786"/>
+                        <a14:backgroundMark x1="38008" y1="65893" x2="39024" y2="66964"/>
+                        <a14:backgroundMark x1="43699" y1="66250" x2="40650" y2="91250"/>
+                        <a14:backgroundMark x1="40650" y1="91250" x2="46951" y2="66071"/>
+                        <a14:backgroundMark x1="46951" y1="66071" x2="40650" y2="94821"/>
+                        <a14:backgroundMark x1="40650" y1="94821" x2="40650" y2="93571"/>
+                        <a14:backgroundMark x1="44309" y1="81786" x2="43089" y2="96964"/>
+                        <a14:backgroundMark x1="43089" y1="96964" x2="35163" y2="97143"/>
+                        <a14:backgroundMark x1="43496" y1="86607" x2="42886" y2="85536"/>
+                        <a14:backgroundMark x1="47465" y1="74273" x2="46545" y2="84464"/>
+                        <a14:backgroundMark x1="46545" y1="84464" x2="46545" y2="81071"/>
+                        <a14:backgroundMark x1="60163" y1="53036" x2="61382" y2="57143"/>
+                        <a14:backgroundMark x1="60772" y1="51071" x2="59350" y2="68036"/>
+                        <a14:backgroundMark x1="47762" y1="84741" x2="47561" y2="88571"/>
+                        <a14:backgroundMark x1="47967" y1="83368" x2="47967" y2="86429"/>
+                        <a14:backgroundMark x1="47967" y1="70000" x2="47967" y2="83331"/>
+                      </a14:backgroundRemoval>
+                    </a14:imgEffect>
+                  </a14:imgLayer>
+                </a14:imgProps>
+              </a:ext>
+              <a:ext uri="{28A0092B-C50C-407E-A947-70E740481C1C}">
+                <a14:useLocalDpi xmlns:a14="http://schemas.microsoft.com/office/drawing/2010/main" val="0"/>
+              </a:ext>
+            </a:extLst>
+          </a:blip>
+          <a:stretch>
+            <a:fillRect/>
+          </a:stretch>
+        </p:blipFill>
+        <p:spPr>
+          <a:xfrm>
+            <a:off x="3752523" y="761628"/>
+            <a:ext cx="4686954" cy="5334744"/>
+          </a:xfrm>
+          <a:prstGeom prst="rect">
+            <a:avLst/>
+          </a:prstGeom>
+        </p:spPr>
+      </p:pic>
+    </p:spTree>
+    <p:extLst>
+      <p:ext uri="{BB962C8B-B14F-4D97-AF65-F5344CB8AC3E}">
+        <p14:creationId xmlns:p14="http://schemas.microsoft.com/office/powerpoint/2010/main" val="969647395"/>
+      </p:ext>
+    </p:extLst>
+  </p:cSld>
+  <p:clrMapOvr>
+    <a:masterClrMapping/>
+  </p:clrMapOvr>
+</p:sld>
+</file>
+
+<file path=ppt/slides/slide9.xml><?xml version="1.0" encoding="utf-8"?>
+<p:sld xmlns:a="http://schemas.openxmlformats.org/drawingml/2006/main" xmlns:r="http://schemas.openxmlformats.org/officeDocument/2006/relationships" xmlns:p="http://schemas.openxmlformats.org/presentationml/2006/main">
+  <p:cSld>
+    <p:spTree>
+      <p:nvGrpSpPr>
+        <p:cNvPr id="1" name=""/>
+        <p:cNvGrpSpPr/>
+        <p:nvPr/>
+      </p:nvGrpSpPr>
+      <p:grpSpPr>
+        <a:xfrm>
+          <a:off x="0" y="0"/>
+          <a:ext cx="0" cy="0"/>
+          <a:chOff x="0" y="0"/>
+          <a:chExt cx="0" cy="0"/>
+        </a:xfrm>
+      </p:grpSpPr>
+      <p:pic>
+        <p:nvPicPr>
           <p:cNvPr id="5" name="圖片 4">
             <a:extLst>
               <a:ext uri="{FF2B5EF4-FFF2-40B4-BE49-F238E27FC236}">
